--- a/doc/designDoc.pptx
+++ b/doc/designDoc.pptx
@@ -6,6 +6,7 @@
   </p:sldMasterIdLst>
   <p:sldIdLst>
     <p:sldId id="256" r:id="rId2"/>
+    <p:sldId id="257" r:id="rId3"/>
   </p:sldIdLst>
   <p:sldSz cx="12192000" cy="6858000"/>
   <p:notesSz cx="6858000" cy="9144000"/>
@@ -104,6 +105,11 @@
       </a:defRPr>
     </a:lvl9pPr>
   </p:defaultTextStyle>
+  <p:extLst>
+    <p:ext uri="{EFAFB233-063F-42B5-8137-9DF3F51BA10A}">
+      <p15:sldGuideLst xmlns:p15="http://schemas.microsoft.com/office/powerpoint/2012/main"/>
+    </p:ext>
+  </p:extLst>
 </p:presentation>
 </file>
 
@@ -3869,15 +3875,15 @@
             </a:extLst>
           </p:cNvPr>
           <p:cNvCxnSpPr>
+            <a:cxnSpLocks/>
             <a:stCxn id="34" idx="1"/>
-            <a:endCxn id="1026" idx="3"/>
           </p:cNvCxnSpPr>
           <p:nvPr/>
         </p:nvCxnSpPr>
         <p:spPr>
           <a:xfrm rot="10800000">
-            <a:off x="4419601" y="1545315"/>
-            <a:ext cx="786173" cy="782011"/>
+            <a:off x="4341789" y="1874947"/>
+            <a:ext cx="863984" cy="452378"/>
           </a:xfrm>
           <a:prstGeom prst="bentConnector3">
             <a:avLst/>
@@ -3986,7 +3992,7 @@
           <a:p>
             <a:r>
               <a:rPr lang="en-SG" sz="1000" b="1" dirty="0"/>
-              <a:t>QS-Gateway </a:t>
+              <a:t>QS-Gateway [VPN] </a:t>
             </a:r>
           </a:p>
         </p:txBody>
@@ -4005,7 +4011,7 @@
         </p:nvSpPr>
         <p:spPr>
           <a:xfrm>
-            <a:off x="4067175" y="2184208"/>
+            <a:off x="4067175" y="2415865"/>
             <a:ext cx="196803" cy="444553"/>
           </a:xfrm>
           <a:prstGeom prst="downArrow">
@@ -4051,7 +4057,7 @@
         </p:nvSpPr>
         <p:spPr>
           <a:xfrm>
-            <a:off x="4184153" y="2231692"/>
+            <a:off x="4171576" y="2428477"/>
             <a:ext cx="1257067" cy="246221"/>
           </a:xfrm>
           <a:prstGeom prst="rect">
@@ -4070,15 +4076,1417 @@
           <a:p>
             <a:r>
               <a:rPr lang="en-SG" sz="1000" b="1" dirty="0"/>
-              <a:t>Data </a:t>
-            </a:r>
-          </a:p>
-        </p:txBody>
-      </p:sp>
+              <a:t>Gateway Data </a:t>
+            </a:r>
+          </a:p>
+        </p:txBody>
+      </p:sp>
+      <p:sp>
+        <p:nvSpPr>
+          <p:cNvPr id="20" name="TextBox 19">
+            <a:extLst>
+              <a:ext uri="{FF2B5EF4-FFF2-40B4-BE49-F238E27FC236}">
+                <a16:creationId xmlns:a16="http://schemas.microsoft.com/office/drawing/2014/main" id="{FBC88434-2536-4E63-AEE5-960AA78D0D09}"/>
+              </a:ext>
+            </a:extLst>
+          </p:cNvPr>
+          <p:cNvSpPr txBox="1"/>
+          <p:nvPr/>
+        </p:nvSpPr>
+        <p:spPr>
+          <a:xfrm>
+            <a:off x="1753161" y="3794912"/>
+            <a:ext cx="1257067" cy="400110"/>
+          </a:xfrm>
+          <a:prstGeom prst="rect">
+            <a:avLst/>
+          </a:prstGeom>
+          <a:noFill/>
+          <a:ln w="3175">
+            <a:noFill/>
+          </a:ln>
+        </p:spPr>
+        <p:txBody>
+          <a:bodyPr wrap="square" rtlCol="0">
+            <a:spAutoFit/>
+          </a:bodyPr>
+          <a:lstStyle/>
+          <a:p>
+            <a:r>
+              <a:rPr lang="en-SG" sz="1000" b="1" dirty="0"/>
+              <a:t>Protected computers </a:t>
+            </a:r>
+          </a:p>
+        </p:txBody>
+      </p:sp>
+      <p:sp>
+        <p:nvSpPr>
+          <p:cNvPr id="21" name="TextBox 20">
+            <a:extLst>
+              <a:ext uri="{FF2B5EF4-FFF2-40B4-BE49-F238E27FC236}">
+                <a16:creationId xmlns:a16="http://schemas.microsoft.com/office/drawing/2014/main" id="{6E9B00E4-7D33-4EFD-9D0D-6C9334689113}"/>
+              </a:ext>
+            </a:extLst>
+          </p:cNvPr>
+          <p:cNvSpPr txBox="1"/>
+          <p:nvPr/>
+        </p:nvSpPr>
+        <p:spPr>
+          <a:xfrm>
+            <a:off x="5403943" y="2140825"/>
+            <a:ext cx="1257067" cy="400110"/>
+          </a:xfrm>
+          <a:prstGeom prst="rect">
+            <a:avLst/>
+          </a:prstGeom>
+          <a:noFill/>
+          <a:ln w="3175">
+            <a:noFill/>
+          </a:ln>
+        </p:spPr>
+        <p:txBody>
+          <a:bodyPr wrap="square" rtlCol="0">
+            <a:spAutoFit/>
+          </a:bodyPr>
+          <a:lstStyle/>
+          <a:p>
+            <a:r>
+              <a:rPr lang="en-SG" sz="1000" b="1" dirty="0"/>
+              <a:t>Protected</a:t>
+            </a:r>
+          </a:p>
+          <a:p>
+            <a:r>
+              <a:rPr lang="en-SG" sz="1000" b="1" dirty="0"/>
+              <a:t>Devices</a:t>
+            </a:r>
+          </a:p>
+        </p:txBody>
+      </p:sp>
+      <p:sp>
+        <p:nvSpPr>
+          <p:cNvPr id="22" name="TextBox 21">
+            <a:extLst>
+              <a:ext uri="{FF2B5EF4-FFF2-40B4-BE49-F238E27FC236}">
+                <a16:creationId xmlns:a16="http://schemas.microsoft.com/office/drawing/2014/main" id="{2F429DF4-AD31-46E9-AE80-4171433D3916}"/>
+              </a:ext>
+            </a:extLst>
+          </p:cNvPr>
+          <p:cNvSpPr txBox="1"/>
+          <p:nvPr/>
+        </p:nvSpPr>
+        <p:spPr>
+          <a:xfrm>
+            <a:off x="2816372" y="3785847"/>
+            <a:ext cx="1257067" cy="400110"/>
+          </a:xfrm>
+          <a:prstGeom prst="rect">
+            <a:avLst/>
+          </a:prstGeom>
+          <a:noFill/>
+          <a:ln w="3175">
+            <a:noFill/>
+          </a:ln>
+        </p:spPr>
+        <p:txBody>
+          <a:bodyPr wrap="square" rtlCol="0">
+            <a:spAutoFit/>
+          </a:bodyPr>
+          <a:lstStyle/>
+          <a:p>
+            <a:r>
+              <a:rPr lang="en-SG" sz="1000" b="1" dirty="0"/>
+              <a:t>Monitor </a:t>
+            </a:r>
+          </a:p>
+          <a:p>
+            <a:r>
+              <a:rPr lang="en-SG" sz="1000" b="1" dirty="0"/>
+              <a:t>computer </a:t>
+            </a:r>
+          </a:p>
+        </p:txBody>
+      </p:sp>
+      <p:pic>
+        <p:nvPicPr>
+          <p:cNvPr id="5" name="Picture 4">
+            <a:extLst>
+              <a:ext uri="{FF2B5EF4-FFF2-40B4-BE49-F238E27FC236}">
+                <a16:creationId xmlns:a16="http://schemas.microsoft.com/office/drawing/2014/main" id="{3C4110EC-D162-43D1-885B-53254D81304F}"/>
+              </a:ext>
+            </a:extLst>
+          </p:cNvPr>
+          <p:cNvPicPr>
+            <a:picLocks noChangeAspect="1"/>
+          </p:cNvPicPr>
+          <p:nvPr/>
+        </p:nvPicPr>
+        <p:blipFill>
+          <a:blip r:embed="rId8"/>
+          <a:stretch>
+            <a:fillRect/>
+          </a:stretch>
+        </p:blipFill>
+        <p:spPr>
+          <a:xfrm>
+            <a:off x="3977631" y="1918552"/>
+            <a:ext cx="503053" cy="420754"/>
+          </a:xfrm>
+          <a:prstGeom prst="rect">
+            <a:avLst/>
+          </a:prstGeom>
+        </p:spPr>
+      </p:pic>
+      <p:sp>
+        <p:nvSpPr>
+          <p:cNvPr id="26" name="TextBox 25">
+            <a:extLst>
+              <a:ext uri="{FF2B5EF4-FFF2-40B4-BE49-F238E27FC236}">
+                <a16:creationId xmlns:a16="http://schemas.microsoft.com/office/drawing/2014/main" id="{7B3799DE-EC78-4EA9-9EF6-5BFE57D26AA8}"/>
+              </a:ext>
+            </a:extLst>
+          </p:cNvPr>
+          <p:cNvSpPr txBox="1"/>
+          <p:nvPr/>
+        </p:nvSpPr>
+        <p:spPr>
+          <a:xfrm>
+            <a:off x="2286985" y="2128929"/>
+            <a:ext cx="1428641" cy="246221"/>
+          </a:xfrm>
+          <a:prstGeom prst="rect">
+            <a:avLst/>
+          </a:prstGeom>
+          <a:noFill/>
+          <a:ln w="3175">
+            <a:noFill/>
+          </a:ln>
+        </p:spPr>
+        <p:txBody>
+          <a:bodyPr wrap="square" rtlCol="0">
+            <a:spAutoFit/>
+          </a:bodyPr>
+          <a:lstStyle/>
+          <a:p>
+            <a:r>
+              <a:rPr lang="en-SG" sz="1000" b="1" dirty="0" err="1"/>
+              <a:t>Gateway_Info_client</a:t>
+            </a:r>
+            <a:endParaRPr lang="en-SG" sz="1000" b="1" dirty="0"/>
+          </a:p>
+        </p:txBody>
+      </p:sp>
+      <p:cxnSp>
+        <p:nvCxnSpPr>
+          <p:cNvPr id="9" name="Straight Arrow Connector 8">
+            <a:extLst>
+              <a:ext uri="{FF2B5EF4-FFF2-40B4-BE49-F238E27FC236}">
+                <a16:creationId xmlns:a16="http://schemas.microsoft.com/office/drawing/2014/main" id="{00FC2A86-2832-4371-98F2-0E1FF05619BE}"/>
+              </a:ext>
+            </a:extLst>
+          </p:cNvPr>
+          <p:cNvCxnSpPr>
+            <a:cxnSpLocks/>
+          </p:cNvCxnSpPr>
+          <p:nvPr/>
+        </p:nvCxnSpPr>
+        <p:spPr>
+          <a:xfrm flipV="1">
+            <a:off x="3480320" y="2252039"/>
+            <a:ext cx="511145" cy="0"/>
+          </a:xfrm>
+          <a:prstGeom prst="straightConnector1">
+            <a:avLst/>
+          </a:prstGeom>
+          <a:ln>
+            <a:tailEnd type="triangle"/>
+          </a:ln>
+        </p:spPr>
+        <p:style>
+          <a:lnRef idx="1">
+            <a:schemeClr val="dk1"/>
+          </a:lnRef>
+          <a:fillRef idx="0">
+            <a:schemeClr val="dk1"/>
+          </a:fillRef>
+          <a:effectRef idx="0">
+            <a:schemeClr val="dk1"/>
+          </a:effectRef>
+          <a:fontRef idx="minor">
+            <a:schemeClr val="tx1"/>
+          </a:fontRef>
+        </p:style>
+      </p:cxnSp>
     </p:spTree>
     <p:extLst>
       <p:ext uri="{BB962C8B-B14F-4D97-AF65-F5344CB8AC3E}">
         <p14:creationId xmlns:p14="http://schemas.microsoft.com/office/powerpoint/2010/main" val="1671128767"/>
+      </p:ext>
+    </p:extLst>
+  </p:cSld>
+  <p:clrMapOvr>
+    <a:masterClrMapping/>
+  </p:clrMapOvr>
+</p:sld>
+</file>
+
+<file path=ppt/slides/slide2.xml><?xml version="1.0" encoding="utf-8"?>
+<p:sld xmlns:a="http://schemas.openxmlformats.org/drawingml/2006/main" xmlns:r="http://schemas.openxmlformats.org/officeDocument/2006/relationships" xmlns:p="http://schemas.openxmlformats.org/presentationml/2006/main">
+  <p:cSld>
+    <p:spTree>
+      <p:nvGrpSpPr>
+        <p:cNvPr id="1" name=""/>
+        <p:cNvGrpSpPr/>
+        <p:nvPr/>
+      </p:nvGrpSpPr>
+      <p:grpSpPr>
+        <a:xfrm>
+          <a:off x="0" y="0"/>
+          <a:ext cx="0" cy="0"/>
+          <a:chOff x="0" y="0"/>
+          <a:chExt cx="0" cy="0"/>
+        </a:xfrm>
+      </p:grpSpPr>
+      <p:pic>
+        <p:nvPicPr>
+          <p:cNvPr id="5" name="Picture 2" descr="Gateway | Vecta Symbols">
+            <a:extLst>
+              <a:ext uri="{FF2B5EF4-FFF2-40B4-BE49-F238E27FC236}">
+                <a16:creationId xmlns:a16="http://schemas.microsoft.com/office/drawing/2014/main" id="{5F651CEF-CB1D-404B-A030-219C2564EED5}"/>
+              </a:ext>
+            </a:extLst>
+          </p:cNvPr>
+          <p:cNvPicPr>
+            <a:picLocks noChangeAspect="1" noChangeArrowheads="1"/>
+          </p:cNvPicPr>
+          <p:nvPr/>
+        </p:nvPicPr>
+        <p:blipFill>
+          <a:blip r:embed="rId2">
+            <a:extLst>
+              <a:ext uri="{28A0092B-C50C-407E-A947-70E740481C1C}">
+                <a14:useLocalDpi xmlns:a14="http://schemas.microsoft.com/office/drawing/2010/main" val="0"/>
+              </a:ext>
+            </a:extLst>
+          </a:blip>
+          <a:srcRect/>
+          <a:stretch>
+            <a:fillRect/>
+          </a:stretch>
+        </p:blipFill>
+        <p:spPr bwMode="auto">
+          <a:xfrm>
+            <a:off x="1289355" y="813655"/>
+            <a:ext cx="1018826" cy="1138971"/>
+          </a:xfrm>
+          <a:prstGeom prst="rect">
+            <a:avLst/>
+          </a:prstGeom>
+          <a:noFill/>
+          <a:extLst>
+            <a:ext uri="{909E8E84-426E-40DD-AFC4-6F175D3DCCD1}">
+              <a14:hiddenFill xmlns:a14="http://schemas.microsoft.com/office/drawing/2010/main">
+                <a:solidFill>
+                  <a:srgbClr val="FFFFFF"/>
+                </a:solidFill>
+              </a14:hiddenFill>
+            </a:ext>
+          </a:extLst>
+        </p:spPr>
+      </p:pic>
+      <p:pic>
+        <p:nvPicPr>
+          <p:cNvPr id="6" name="Picture 5" descr="A picture containing basketball, game&#10;&#10;Description automatically generated">
+            <a:extLst>
+              <a:ext uri="{FF2B5EF4-FFF2-40B4-BE49-F238E27FC236}">
+                <a16:creationId xmlns:a16="http://schemas.microsoft.com/office/drawing/2014/main" id="{CA956DA0-F885-4BA7-A7E9-A2410C27E424}"/>
+              </a:ext>
+            </a:extLst>
+          </p:cNvPr>
+          <p:cNvPicPr>
+            <a:picLocks noChangeAspect="1"/>
+          </p:cNvPicPr>
+          <p:nvPr/>
+        </p:nvPicPr>
+        <p:blipFill>
+          <a:blip r:embed="rId3">
+            <a:extLst>
+              <a:ext uri="{28A0092B-C50C-407E-A947-70E740481C1C}">
+                <a14:useLocalDpi xmlns:a14="http://schemas.microsoft.com/office/drawing/2010/main" val="0"/>
+              </a:ext>
+            </a:extLst>
+          </a:blip>
+          <a:stretch>
+            <a:fillRect/>
+          </a:stretch>
+        </p:blipFill>
+        <p:spPr>
+          <a:xfrm>
+            <a:off x="2100536" y="1204456"/>
+            <a:ext cx="360000" cy="504000"/>
+          </a:xfrm>
+          <a:prstGeom prst="rect">
+            <a:avLst/>
+          </a:prstGeom>
+          <a:ln w="3175">
+            <a:solidFill>
+              <a:schemeClr val="tx1"/>
+            </a:solidFill>
+          </a:ln>
+        </p:spPr>
+      </p:pic>
+      <p:sp>
+        <p:nvSpPr>
+          <p:cNvPr id="8" name="Cloud 7">
+            <a:extLst>
+              <a:ext uri="{FF2B5EF4-FFF2-40B4-BE49-F238E27FC236}">
+                <a16:creationId xmlns:a16="http://schemas.microsoft.com/office/drawing/2014/main" id="{1310A1F5-2203-4307-B94B-F7BFC39F1917}"/>
+              </a:ext>
+            </a:extLst>
+          </p:cNvPr>
+          <p:cNvSpPr/>
+          <p:nvPr/>
+        </p:nvSpPr>
+        <p:spPr>
+          <a:xfrm>
+            <a:off x="4100647" y="2509154"/>
+            <a:ext cx="1499434" cy="781050"/>
+          </a:xfrm>
+          <a:prstGeom prst="cloud">
+            <a:avLst/>
+          </a:prstGeom>
+        </p:spPr>
+        <p:style>
+          <a:lnRef idx="2">
+            <a:schemeClr val="accent1">
+              <a:shade val="50000"/>
+            </a:schemeClr>
+          </a:lnRef>
+          <a:fillRef idx="1">
+            <a:schemeClr val="accent1"/>
+          </a:fillRef>
+          <a:effectRef idx="0">
+            <a:schemeClr val="accent1"/>
+          </a:effectRef>
+          <a:fontRef idx="minor">
+            <a:schemeClr val="lt1"/>
+          </a:fontRef>
+        </p:style>
+        <p:txBody>
+          <a:bodyPr rtlCol="0" anchor="ctr"/>
+          <a:lstStyle/>
+          <a:p>
+            <a:pPr algn="ctr"/>
+            <a:r>
+              <a:rPr lang="en-SG" dirty="0"/>
+              <a:t>Internet </a:t>
+            </a:r>
+          </a:p>
+        </p:txBody>
+      </p:sp>
+      <p:sp>
+        <p:nvSpPr>
+          <p:cNvPr id="18" name="TextBox 17">
+            <a:extLst>
+              <a:ext uri="{FF2B5EF4-FFF2-40B4-BE49-F238E27FC236}">
+                <a16:creationId xmlns:a16="http://schemas.microsoft.com/office/drawing/2014/main" id="{D8EC7803-4C10-4F05-8F32-E6E92CB180BD}"/>
+              </a:ext>
+            </a:extLst>
+          </p:cNvPr>
+          <p:cNvSpPr txBox="1"/>
+          <p:nvPr/>
+        </p:nvSpPr>
+        <p:spPr>
+          <a:xfrm>
+            <a:off x="1289355" y="597513"/>
+            <a:ext cx="1257067" cy="246221"/>
+          </a:xfrm>
+          <a:prstGeom prst="rect">
+            <a:avLst/>
+          </a:prstGeom>
+          <a:noFill/>
+          <a:ln w="3175">
+            <a:noFill/>
+          </a:ln>
+        </p:spPr>
+        <p:txBody>
+          <a:bodyPr wrap="square" rtlCol="0">
+            <a:spAutoFit/>
+          </a:bodyPr>
+          <a:lstStyle/>
+          <a:p>
+            <a:r>
+              <a:rPr lang="en-SG" sz="1000" b="1" dirty="0"/>
+              <a:t>QS-Gateway [00] </a:t>
+            </a:r>
+          </a:p>
+        </p:txBody>
+      </p:sp>
+      <p:pic>
+        <p:nvPicPr>
+          <p:cNvPr id="27" name="Picture 2" descr="Gateway | Vecta Symbols">
+            <a:extLst>
+              <a:ext uri="{FF2B5EF4-FFF2-40B4-BE49-F238E27FC236}">
+                <a16:creationId xmlns:a16="http://schemas.microsoft.com/office/drawing/2014/main" id="{557EB99F-CC85-4C67-90B2-43B5306AB235}"/>
+              </a:ext>
+            </a:extLst>
+          </p:cNvPr>
+          <p:cNvPicPr>
+            <a:picLocks noChangeAspect="1" noChangeArrowheads="1"/>
+          </p:cNvPicPr>
+          <p:nvPr/>
+        </p:nvPicPr>
+        <p:blipFill>
+          <a:blip r:embed="rId2">
+            <a:extLst>
+              <a:ext uri="{28A0092B-C50C-407E-A947-70E740481C1C}">
+                <a14:useLocalDpi xmlns:a14="http://schemas.microsoft.com/office/drawing/2010/main" val="0"/>
+              </a:ext>
+            </a:extLst>
+          </a:blip>
+          <a:srcRect/>
+          <a:stretch>
+            <a:fillRect/>
+          </a:stretch>
+        </p:blipFill>
+        <p:spPr bwMode="auto">
+          <a:xfrm>
+            <a:off x="1289355" y="2330194"/>
+            <a:ext cx="1018826" cy="1138971"/>
+          </a:xfrm>
+          <a:prstGeom prst="rect">
+            <a:avLst/>
+          </a:prstGeom>
+          <a:noFill/>
+          <a:extLst>
+            <a:ext uri="{909E8E84-426E-40DD-AFC4-6F175D3DCCD1}">
+              <a14:hiddenFill xmlns:a14="http://schemas.microsoft.com/office/drawing/2010/main">
+                <a:solidFill>
+                  <a:srgbClr val="FFFFFF"/>
+                </a:solidFill>
+              </a14:hiddenFill>
+            </a:ext>
+          </a:extLst>
+        </p:spPr>
+      </p:pic>
+      <p:pic>
+        <p:nvPicPr>
+          <p:cNvPr id="28" name="Picture 27" descr="A picture containing basketball, game&#10;&#10;Description automatically generated">
+            <a:extLst>
+              <a:ext uri="{FF2B5EF4-FFF2-40B4-BE49-F238E27FC236}">
+                <a16:creationId xmlns:a16="http://schemas.microsoft.com/office/drawing/2014/main" id="{7E3773F9-73C5-46F7-854F-4DED6C32465A}"/>
+              </a:ext>
+            </a:extLst>
+          </p:cNvPr>
+          <p:cNvPicPr>
+            <a:picLocks noChangeAspect="1"/>
+          </p:cNvPicPr>
+          <p:nvPr/>
+        </p:nvPicPr>
+        <p:blipFill>
+          <a:blip r:embed="rId3">
+            <a:extLst>
+              <a:ext uri="{28A0092B-C50C-407E-A947-70E740481C1C}">
+                <a14:useLocalDpi xmlns:a14="http://schemas.microsoft.com/office/drawing/2010/main" val="0"/>
+              </a:ext>
+            </a:extLst>
+          </a:blip>
+          <a:stretch>
+            <a:fillRect/>
+          </a:stretch>
+        </p:blipFill>
+        <p:spPr>
+          <a:xfrm>
+            <a:off x="2106985" y="2688115"/>
+            <a:ext cx="360000" cy="504000"/>
+          </a:xfrm>
+          <a:prstGeom prst="rect">
+            <a:avLst/>
+          </a:prstGeom>
+          <a:ln w="3175">
+            <a:solidFill>
+              <a:schemeClr val="tx1"/>
+            </a:solidFill>
+          </a:ln>
+        </p:spPr>
+      </p:pic>
+      <p:pic>
+        <p:nvPicPr>
+          <p:cNvPr id="29" name="Picture 2" descr="Gateway | Vecta Symbols">
+            <a:extLst>
+              <a:ext uri="{FF2B5EF4-FFF2-40B4-BE49-F238E27FC236}">
+                <a16:creationId xmlns:a16="http://schemas.microsoft.com/office/drawing/2014/main" id="{32138F74-3290-416B-A9AE-4D6B7CABB9EA}"/>
+              </a:ext>
+            </a:extLst>
+          </p:cNvPr>
+          <p:cNvPicPr>
+            <a:picLocks noChangeAspect="1" noChangeArrowheads="1"/>
+          </p:cNvPicPr>
+          <p:nvPr/>
+        </p:nvPicPr>
+        <p:blipFill>
+          <a:blip r:embed="rId2">
+            <a:extLst>
+              <a:ext uri="{28A0092B-C50C-407E-A947-70E740481C1C}">
+                <a14:useLocalDpi xmlns:a14="http://schemas.microsoft.com/office/drawing/2010/main" val="0"/>
+              </a:ext>
+            </a:extLst>
+          </a:blip>
+          <a:srcRect/>
+          <a:stretch>
+            <a:fillRect/>
+          </a:stretch>
+        </p:blipFill>
+        <p:spPr bwMode="auto">
+          <a:xfrm>
+            <a:off x="1289355" y="3809256"/>
+            <a:ext cx="1018826" cy="1138971"/>
+          </a:xfrm>
+          <a:prstGeom prst="rect">
+            <a:avLst/>
+          </a:prstGeom>
+          <a:noFill/>
+          <a:extLst>
+            <a:ext uri="{909E8E84-426E-40DD-AFC4-6F175D3DCCD1}">
+              <a14:hiddenFill xmlns:a14="http://schemas.microsoft.com/office/drawing/2010/main">
+                <a:solidFill>
+                  <a:srgbClr val="FFFFFF"/>
+                </a:solidFill>
+              </a14:hiddenFill>
+            </a:ext>
+          </a:extLst>
+        </p:spPr>
+      </p:pic>
+      <p:pic>
+        <p:nvPicPr>
+          <p:cNvPr id="30" name="Picture 29" descr="A picture containing basketball, game&#10;&#10;Description automatically generated">
+            <a:extLst>
+              <a:ext uri="{FF2B5EF4-FFF2-40B4-BE49-F238E27FC236}">
+                <a16:creationId xmlns:a16="http://schemas.microsoft.com/office/drawing/2014/main" id="{ABF243F3-07BE-4383-BD8F-7B16F5E67E4B}"/>
+              </a:ext>
+            </a:extLst>
+          </p:cNvPr>
+          <p:cNvPicPr>
+            <a:picLocks noChangeAspect="1"/>
+          </p:cNvPicPr>
+          <p:nvPr/>
+        </p:nvPicPr>
+        <p:blipFill>
+          <a:blip r:embed="rId3">
+            <a:extLst>
+              <a:ext uri="{28A0092B-C50C-407E-A947-70E740481C1C}">
+                <a14:useLocalDpi xmlns:a14="http://schemas.microsoft.com/office/drawing/2010/main" val="0"/>
+              </a:ext>
+            </a:extLst>
+          </a:blip>
+          <a:stretch>
+            <a:fillRect/>
+          </a:stretch>
+        </p:blipFill>
+        <p:spPr>
+          <a:xfrm>
+            <a:off x="2106985" y="4167177"/>
+            <a:ext cx="360000" cy="504000"/>
+          </a:xfrm>
+          <a:prstGeom prst="rect">
+            <a:avLst/>
+          </a:prstGeom>
+          <a:ln w="3175">
+            <a:solidFill>
+              <a:schemeClr val="tx1"/>
+            </a:solidFill>
+          </a:ln>
+        </p:spPr>
+      </p:pic>
+      <p:sp>
+        <p:nvSpPr>
+          <p:cNvPr id="31" name="TextBox 30">
+            <a:extLst>
+              <a:ext uri="{FF2B5EF4-FFF2-40B4-BE49-F238E27FC236}">
+                <a16:creationId xmlns:a16="http://schemas.microsoft.com/office/drawing/2014/main" id="{6147F6D5-9137-405B-B19B-296F927C0784}"/>
+              </a:ext>
+            </a:extLst>
+          </p:cNvPr>
+          <p:cNvSpPr txBox="1"/>
+          <p:nvPr/>
+        </p:nvSpPr>
+        <p:spPr>
+          <a:xfrm>
+            <a:off x="1289355" y="2127367"/>
+            <a:ext cx="1257067" cy="246221"/>
+          </a:xfrm>
+          <a:prstGeom prst="rect">
+            <a:avLst/>
+          </a:prstGeom>
+          <a:noFill/>
+          <a:ln w="3175">
+            <a:noFill/>
+          </a:ln>
+        </p:spPr>
+        <p:txBody>
+          <a:bodyPr wrap="square" rtlCol="0">
+            <a:spAutoFit/>
+          </a:bodyPr>
+          <a:lstStyle/>
+          <a:p>
+            <a:r>
+              <a:rPr lang="en-SG" sz="1000" b="1" dirty="0"/>
+              <a:t>QS-Gateway [01] </a:t>
+            </a:r>
+          </a:p>
+        </p:txBody>
+      </p:sp>
+      <p:sp>
+        <p:nvSpPr>
+          <p:cNvPr id="32" name="TextBox 31">
+            <a:extLst>
+              <a:ext uri="{FF2B5EF4-FFF2-40B4-BE49-F238E27FC236}">
+                <a16:creationId xmlns:a16="http://schemas.microsoft.com/office/drawing/2014/main" id="{40EA9206-3C08-4348-B0C1-37919A057FF5}"/>
+              </a:ext>
+            </a:extLst>
+          </p:cNvPr>
+          <p:cNvSpPr txBox="1"/>
+          <p:nvPr/>
+        </p:nvSpPr>
+        <p:spPr>
+          <a:xfrm>
+            <a:off x="1266197" y="3597428"/>
+            <a:ext cx="1257067" cy="246221"/>
+          </a:xfrm>
+          <a:prstGeom prst="rect">
+            <a:avLst/>
+          </a:prstGeom>
+          <a:noFill/>
+          <a:ln w="3175">
+            <a:noFill/>
+          </a:ln>
+        </p:spPr>
+        <p:txBody>
+          <a:bodyPr wrap="square" rtlCol="0">
+            <a:spAutoFit/>
+          </a:bodyPr>
+          <a:lstStyle/>
+          <a:p>
+            <a:r>
+              <a:rPr lang="en-SG" sz="1000" b="1" dirty="0"/>
+              <a:t>QS-Gateway [02] </a:t>
+            </a:r>
+          </a:p>
+        </p:txBody>
+      </p:sp>
+      <p:cxnSp>
+        <p:nvCxnSpPr>
+          <p:cNvPr id="34" name="Connector: Elbow 33">
+            <a:extLst>
+              <a:ext uri="{FF2B5EF4-FFF2-40B4-BE49-F238E27FC236}">
+                <a16:creationId xmlns:a16="http://schemas.microsoft.com/office/drawing/2014/main" id="{5A3350D4-39E7-4078-A521-C2021554C0F8}"/>
+              </a:ext>
+            </a:extLst>
+          </p:cNvPr>
+          <p:cNvCxnSpPr>
+            <a:stCxn id="6" idx="3"/>
+            <a:endCxn id="8" idx="3"/>
+          </p:cNvCxnSpPr>
+          <p:nvPr/>
+        </p:nvCxnSpPr>
+        <p:spPr>
+          <a:xfrm>
+            <a:off x="2460536" y="1456456"/>
+            <a:ext cx="2389828" cy="1097355"/>
+          </a:xfrm>
+          <a:prstGeom prst="bentConnector2">
+            <a:avLst/>
+          </a:prstGeom>
+          <a:ln w="28575"/>
+        </p:spPr>
+        <p:style>
+          <a:lnRef idx="1">
+            <a:schemeClr val="accent1"/>
+          </a:lnRef>
+          <a:fillRef idx="0">
+            <a:schemeClr val="accent1"/>
+          </a:fillRef>
+          <a:effectRef idx="0">
+            <a:schemeClr val="accent1"/>
+          </a:effectRef>
+          <a:fontRef idx="minor">
+            <a:schemeClr val="tx1"/>
+          </a:fontRef>
+        </p:style>
+      </p:cxnSp>
+      <p:cxnSp>
+        <p:nvCxnSpPr>
+          <p:cNvPr id="36" name="Connector: Elbow 35">
+            <a:extLst>
+              <a:ext uri="{FF2B5EF4-FFF2-40B4-BE49-F238E27FC236}">
+                <a16:creationId xmlns:a16="http://schemas.microsoft.com/office/drawing/2014/main" id="{DA125D2B-75F7-4C86-AA98-CB0A609B66F3}"/>
+              </a:ext>
+            </a:extLst>
+          </p:cNvPr>
+          <p:cNvCxnSpPr>
+            <a:stCxn id="30" idx="3"/>
+            <a:endCxn id="8" idx="1"/>
+          </p:cNvCxnSpPr>
+          <p:nvPr/>
+        </p:nvCxnSpPr>
+        <p:spPr>
+          <a:xfrm flipV="1">
+            <a:off x="2466985" y="3289372"/>
+            <a:ext cx="2383379" cy="1129805"/>
+          </a:xfrm>
+          <a:prstGeom prst="bentConnector2">
+            <a:avLst/>
+          </a:prstGeom>
+          <a:ln w="28575"/>
+        </p:spPr>
+        <p:style>
+          <a:lnRef idx="1">
+            <a:schemeClr val="accent1"/>
+          </a:lnRef>
+          <a:fillRef idx="0">
+            <a:schemeClr val="accent1"/>
+          </a:fillRef>
+          <a:effectRef idx="0">
+            <a:schemeClr val="accent1"/>
+          </a:effectRef>
+          <a:fontRef idx="minor">
+            <a:schemeClr val="tx1"/>
+          </a:fontRef>
+        </p:style>
+      </p:cxnSp>
+      <p:cxnSp>
+        <p:nvCxnSpPr>
+          <p:cNvPr id="38" name="Connector: Elbow 37">
+            <a:extLst>
+              <a:ext uri="{FF2B5EF4-FFF2-40B4-BE49-F238E27FC236}">
+                <a16:creationId xmlns:a16="http://schemas.microsoft.com/office/drawing/2014/main" id="{D5EAF820-18BF-4DB4-8BFC-6AAF904278F9}"/>
+              </a:ext>
+            </a:extLst>
+          </p:cNvPr>
+          <p:cNvCxnSpPr>
+            <a:stCxn id="28" idx="3"/>
+            <a:endCxn id="8" idx="2"/>
+          </p:cNvCxnSpPr>
+          <p:nvPr/>
+        </p:nvCxnSpPr>
+        <p:spPr>
+          <a:xfrm flipV="1">
+            <a:off x="2466985" y="2899679"/>
+            <a:ext cx="1638313" cy="40436"/>
+          </a:xfrm>
+          <a:prstGeom prst="bentConnector3">
+            <a:avLst/>
+          </a:prstGeom>
+          <a:ln w="28575"/>
+        </p:spPr>
+        <p:style>
+          <a:lnRef idx="1">
+            <a:schemeClr val="accent1"/>
+          </a:lnRef>
+          <a:fillRef idx="0">
+            <a:schemeClr val="accent1"/>
+          </a:fillRef>
+          <a:effectRef idx="0">
+            <a:schemeClr val="accent1"/>
+          </a:effectRef>
+          <a:fontRef idx="minor">
+            <a:schemeClr val="tx1"/>
+          </a:fontRef>
+        </p:style>
+      </p:cxnSp>
+      <p:sp>
+        <p:nvSpPr>
+          <p:cNvPr id="39" name="Rectangle 38">
+            <a:extLst>
+              <a:ext uri="{FF2B5EF4-FFF2-40B4-BE49-F238E27FC236}">
+                <a16:creationId xmlns:a16="http://schemas.microsoft.com/office/drawing/2014/main" id="{AB77FE1F-7A47-4438-82C6-03458F50FC86}"/>
+              </a:ext>
+            </a:extLst>
+          </p:cNvPr>
+          <p:cNvSpPr/>
+          <p:nvPr/>
+        </p:nvSpPr>
+        <p:spPr>
+          <a:xfrm>
+            <a:off x="6817226" y="1443511"/>
+            <a:ext cx="4641955" cy="2975666"/>
+          </a:xfrm>
+          <a:prstGeom prst="rect">
+            <a:avLst/>
+          </a:prstGeom>
+          <a:noFill/>
+          <a:ln w="9525" cap="flat" cmpd="sng" algn="ctr">
+            <a:solidFill>
+              <a:schemeClr val="dk1"/>
+            </a:solidFill>
+            <a:prstDash val="dash"/>
+            <a:round/>
+            <a:headEnd type="none" w="med" len="med"/>
+            <a:tailEnd type="none" w="med" len="med"/>
+          </a:ln>
+        </p:spPr>
+        <p:style>
+          <a:lnRef idx="0">
+            <a:scrgbClr r="0" g="0" b="0"/>
+          </a:lnRef>
+          <a:fillRef idx="0">
+            <a:scrgbClr r="0" g="0" b="0"/>
+          </a:fillRef>
+          <a:effectRef idx="0">
+            <a:scrgbClr r="0" g="0" b="0"/>
+          </a:effectRef>
+          <a:fontRef idx="minor">
+            <a:schemeClr val="dk1"/>
+          </a:fontRef>
+        </p:style>
+        <p:txBody>
+          <a:bodyPr rtlCol="0" anchor="ctr"/>
+          <a:lstStyle/>
+          <a:p>
+            <a:pPr algn="ctr"/>
+            <a:endParaRPr lang="en-SG" dirty="0"/>
+          </a:p>
+        </p:txBody>
+      </p:sp>
+      <p:sp>
+        <p:nvSpPr>
+          <p:cNvPr id="42" name="TextBox 41">
+            <a:extLst>
+              <a:ext uri="{FF2B5EF4-FFF2-40B4-BE49-F238E27FC236}">
+                <a16:creationId xmlns:a16="http://schemas.microsoft.com/office/drawing/2014/main" id="{F548D4BC-76ED-47AD-AC04-11C8832FFA60}"/>
+              </a:ext>
+            </a:extLst>
+          </p:cNvPr>
+          <p:cNvSpPr txBox="1"/>
+          <p:nvPr/>
+        </p:nvSpPr>
+        <p:spPr>
+          <a:xfrm>
+            <a:off x="6929034" y="4094195"/>
+            <a:ext cx="4184267" cy="246221"/>
+          </a:xfrm>
+          <a:prstGeom prst="rect">
+            <a:avLst/>
+          </a:prstGeom>
+          <a:noFill/>
+          <a:ln w="3175">
+            <a:noFill/>
+          </a:ln>
+        </p:spPr>
+        <p:txBody>
+          <a:bodyPr wrap="square" rtlCol="0">
+            <a:spAutoFit/>
+          </a:bodyPr>
+          <a:lstStyle/>
+          <a:p>
+            <a:r>
+              <a:rPr lang="en-SG" sz="1000" b="1" dirty="0"/>
+              <a:t>QS gateway Information Webpage Dashboard </a:t>
+            </a:r>
+          </a:p>
+        </p:txBody>
+      </p:sp>
+      <p:pic>
+        <p:nvPicPr>
+          <p:cNvPr id="47" name="Picture 46">
+            <a:extLst>
+              <a:ext uri="{FF2B5EF4-FFF2-40B4-BE49-F238E27FC236}">
+                <a16:creationId xmlns:a16="http://schemas.microsoft.com/office/drawing/2014/main" id="{7429F39D-D11E-4E0A-A47B-1FAB1FD40561}"/>
+              </a:ext>
+            </a:extLst>
+          </p:cNvPr>
+          <p:cNvPicPr>
+            <a:picLocks noChangeAspect="1"/>
+          </p:cNvPicPr>
+          <p:nvPr/>
+        </p:nvPicPr>
+        <p:blipFill>
+          <a:blip r:embed="rId4"/>
+          <a:stretch>
+            <a:fillRect/>
+          </a:stretch>
+        </p:blipFill>
+        <p:spPr>
+          <a:xfrm>
+            <a:off x="6096000" y="2524356"/>
+            <a:ext cx="833034" cy="750646"/>
+          </a:xfrm>
+          <a:prstGeom prst="rect">
+            <a:avLst/>
+          </a:prstGeom>
+          <a:ln w="3175">
+            <a:solidFill>
+              <a:schemeClr val="tx1"/>
+            </a:solidFill>
+          </a:ln>
+        </p:spPr>
+      </p:pic>
+      <p:pic>
+        <p:nvPicPr>
+          <p:cNvPr id="49" name="Picture 48" descr="Graphical user interface&#10;&#10;Description automatically generated">
+            <a:extLst>
+              <a:ext uri="{FF2B5EF4-FFF2-40B4-BE49-F238E27FC236}">
+                <a16:creationId xmlns:a16="http://schemas.microsoft.com/office/drawing/2014/main" id="{EC06ECA8-E532-44E3-9191-6D3C897BC45B}"/>
+              </a:ext>
+            </a:extLst>
+          </p:cNvPr>
+          <p:cNvPicPr>
+            <a:picLocks noChangeAspect="1"/>
+          </p:cNvPicPr>
+          <p:nvPr/>
+        </p:nvPicPr>
+        <p:blipFill>
+          <a:blip r:embed="rId5">
+            <a:extLst>
+              <a:ext uri="{28A0092B-C50C-407E-A947-70E740481C1C}">
+                <a14:useLocalDpi xmlns:a14="http://schemas.microsoft.com/office/drawing/2010/main" val="0"/>
+              </a:ext>
+            </a:extLst>
+          </a:blip>
+          <a:stretch>
+            <a:fillRect/>
+          </a:stretch>
+        </p:blipFill>
+        <p:spPr>
+          <a:xfrm>
+            <a:off x="7002200" y="1612432"/>
+            <a:ext cx="4272005" cy="2403003"/>
+          </a:xfrm>
+          <a:prstGeom prst="rect">
+            <a:avLst/>
+          </a:prstGeom>
+        </p:spPr>
+      </p:pic>
+      <p:cxnSp>
+        <p:nvCxnSpPr>
+          <p:cNvPr id="51" name="Straight Connector 50">
+            <a:extLst>
+              <a:ext uri="{FF2B5EF4-FFF2-40B4-BE49-F238E27FC236}">
+                <a16:creationId xmlns:a16="http://schemas.microsoft.com/office/drawing/2014/main" id="{ECC66782-0B79-4FC0-AAC6-6B43FEF81D79}"/>
+              </a:ext>
+            </a:extLst>
+          </p:cNvPr>
+          <p:cNvCxnSpPr>
+            <a:cxnSpLocks/>
+            <a:stCxn id="8" idx="0"/>
+          </p:cNvCxnSpPr>
+          <p:nvPr/>
+        </p:nvCxnSpPr>
+        <p:spPr>
+          <a:xfrm flipV="1">
+            <a:off x="5598831" y="1612432"/>
+            <a:ext cx="1250" cy="1287247"/>
+          </a:xfrm>
+          <a:prstGeom prst="line">
+            <a:avLst/>
+          </a:prstGeom>
+          <a:ln w="28575"/>
+        </p:spPr>
+        <p:style>
+          <a:lnRef idx="1">
+            <a:schemeClr val="accent1"/>
+          </a:lnRef>
+          <a:fillRef idx="0">
+            <a:schemeClr val="accent1"/>
+          </a:fillRef>
+          <a:effectRef idx="0">
+            <a:schemeClr val="accent1"/>
+          </a:effectRef>
+          <a:fontRef idx="minor">
+            <a:schemeClr val="tx1"/>
+          </a:fontRef>
+        </p:style>
+      </p:cxnSp>
+      <p:pic>
+        <p:nvPicPr>
+          <p:cNvPr id="55" name="Picture 2" descr="AWS Solution Architect - Associate - xpert careers">
+            <a:extLst>
+              <a:ext uri="{FF2B5EF4-FFF2-40B4-BE49-F238E27FC236}">
+                <a16:creationId xmlns:a16="http://schemas.microsoft.com/office/drawing/2014/main" id="{826BF810-20E9-4381-AB59-C5BFA307E7D3}"/>
+              </a:ext>
+            </a:extLst>
+          </p:cNvPr>
+          <p:cNvPicPr>
+            <a:picLocks noChangeAspect="1" noChangeArrowheads="1"/>
+          </p:cNvPicPr>
+          <p:nvPr/>
+        </p:nvPicPr>
+        <p:blipFill>
+          <a:blip r:embed="rId6">
+            <a:extLst>
+              <a:ext uri="{28A0092B-C50C-407E-A947-70E740481C1C}">
+                <a14:useLocalDpi xmlns:a14="http://schemas.microsoft.com/office/drawing/2010/main" val="0"/>
+              </a:ext>
+            </a:extLst>
+          </a:blip>
+          <a:srcRect/>
+          <a:stretch>
+            <a:fillRect/>
+          </a:stretch>
+        </p:blipFill>
+        <p:spPr bwMode="auto">
+          <a:xfrm>
+            <a:off x="5150655" y="868295"/>
+            <a:ext cx="1186951" cy="890213"/>
+          </a:xfrm>
+          <a:prstGeom prst="rect">
+            <a:avLst/>
+          </a:prstGeom>
+          <a:noFill/>
+          <a:extLst>
+            <a:ext uri="{909E8E84-426E-40DD-AFC4-6F175D3DCCD1}">
+              <a14:hiddenFill xmlns:a14="http://schemas.microsoft.com/office/drawing/2010/main">
+                <a:solidFill>
+                  <a:srgbClr val="FFFFFF"/>
+                </a:solidFill>
+              </a14:hiddenFill>
+            </a:ext>
+          </a:extLst>
+        </p:spPr>
+      </p:pic>
+      <p:cxnSp>
+        <p:nvCxnSpPr>
+          <p:cNvPr id="57" name="Connector: Elbow 56">
+            <a:extLst>
+              <a:ext uri="{FF2B5EF4-FFF2-40B4-BE49-F238E27FC236}">
+                <a16:creationId xmlns:a16="http://schemas.microsoft.com/office/drawing/2014/main" id="{C843B009-555D-4C3D-8AD4-D0839CC352E4}"/>
+              </a:ext>
+            </a:extLst>
+          </p:cNvPr>
+          <p:cNvCxnSpPr>
+            <a:cxnSpLocks/>
+            <a:endCxn id="47" idx="0"/>
+          </p:cNvCxnSpPr>
+          <p:nvPr/>
+        </p:nvCxnSpPr>
+        <p:spPr>
+          <a:xfrm rot="16200000" flipH="1">
+            <a:off x="5740364" y="1752203"/>
+            <a:ext cx="911922" cy="632383"/>
+          </a:xfrm>
+          <a:prstGeom prst="bentConnector3">
+            <a:avLst/>
+          </a:prstGeom>
+          <a:ln w="19050"/>
+        </p:spPr>
+        <p:style>
+          <a:lnRef idx="1">
+            <a:schemeClr val="accent1"/>
+          </a:lnRef>
+          <a:fillRef idx="0">
+            <a:schemeClr val="accent1"/>
+          </a:fillRef>
+          <a:effectRef idx="0">
+            <a:schemeClr val="accent1"/>
+          </a:effectRef>
+          <a:fontRef idx="minor">
+            <a:schemeClr val="tx1"/>
+          </a:fontRef>
+        </p:style>
+      </p:cxnSp>
+      <p:pic>
+        <p:nvPicPr>
+          <p:cNvPr id="59" name="Picture 58">
+            <a:extLst>
+              <a:ext uri="{FF2B5EF4-FFF2-40B4-BE49-F238E27FC236}">
+                <a16:creationId xmlns:a16="http://schemas.microsoft.com/office/drawing/2014/main" id="{4CB9A7AA-C72E-4C46-A488-377BA93CAEFB}"/>
+              </a:ext>
+            </a:extLst>
+          </p:cNvPr>
+          <p:cNvPicPr>
+            <a:picLocks noChangeAspect="1"/>
+          </p:cNvPicPr>
+          <p:nvPr/>
+        </p:nvPicPr>
+        <p:blipFill>
+          <a:blip r:embed="rId7"/>
+          <a:stretch>
+            <a:fillRect/>
+          </a:stretch>
+        </p:blipFill>
+        <p:spPr>
+          <a:xfrm>
+            <a:off x="1129067" y="1561424"/>
+            <a:ext cx="503053" cy="420754"/>
+          </a:xfrm>
+          <a:prstGeom prst="rect">
+            <a:avLst/>
+          </a:prstGeom>
+        </p:spPr>
+      </p:pic>
+      <p:pic>
+        <p:nvPicPr>
+          <p:cNvPr id="61" name="Picture 60">
+            <a:extLst>
+              <a:ext uri="{FF2B5EF4-FFF2-40B4-BE49-F238E27FC236}">
+                <a16:creationId xmlns:a16="http://schemas.microsoft.com/office/drawing/2014/main" id="{B177F2F1-A7F1-4BB3-8CBA-3F2A3E826A00}"/>
+              </a:ext>
+            </a:extLst>
+          </p:cNvPr>
+          <p:cNvPicPr>
+            <a:picLocks noChangeAspect="1"/>
+          </p:cNvPicPr>
+          <p:nvPr/>
+        </p:nvPicPr>
+        <p:blipFill>
+          <a:blip r:embed="rId7"/>
+          <a:stretch>
+            <a:fillRect/>
+          </a:stretch>
+        </p:blipFill>
+        <p:spPr>
+          <a:xfrm>
+            <a:off x="1129067" y="3021808"/>
+            <a:ext cx="503053" cy="420754"/>
+          </a:xfrm>
+          <a:prstGeom prst="rect">
+            <a:avLst/>
+          </a:prstGeom>
+        </p:spPr>
+      </p:pic>
+      <p:pic>
+        <p:nvPicPr>
+          <p:cNvPr id="62" name="Picture 61">
+            <a:extLst>
+              <a:ext uri="{FF2B5EF4-FFF2-40B4-BE49-F238E27FC236}">
+                <a16:creationId xmlns:a16="http://schemas.microsoft.com/office/drawing/2014/main" id="{61A744F1-3193-49C0-8890-0522AFF511B5}"/>
+              </a:ext>
+            </a:extLst>
+          </p:cNvPr>
+          <p:cNvPicPr>
+            <a:picLocks noChangeAspect="1"/>
+          </p:cNvPicPr>
+          <p:nvPr/>
+        </p:nvPicPr>
+        <p:blipFill>
+          <a:blip r:embed="rId7"/>
+          <a:stretch>
+            <a:fillRect/>
+          </a:stretch>
+        </p:blipFill>
+        <p:spPr>
+          <a:xfrm>
+            <a:off x="1132164" y="4527473"/>
+            <a:ext cx="503053" cy="420754"/>
+          </a:xfrm>
+          <a:prstGeom prst="rect">
+            <a:avLst/>
+          </a:prstGeom>
+        </p:spPr>
+      </p:pic>
+      <p:sp>
+        <p:nvSpPr>
+          <p:cNvPr id="63" name="TextBox 62">
+            <a:extLst>
+              <a:ext uri="{FF2B5EF4-FFF2-40B4-BE49-F238E27FC236}">
+                <a16:creationId xmlns:a16="http://schemas.microsoft.com/office/drawing/2014/main" id="{DF70CC81-01A2-4E5D-8375-C062CC7ADA02}"/>
+              </a:ext>
+            </a:extLst>
+          </p:cNvPr>
+          <p:cNvSpPr txBox="1"/>
+          <p:nvPr/>
+        </p:nvSpPr>
+        <p:spPr>
+          <a:xfrm>
+            <a:off x="1554886" y="1881146"/>
+            <a:ext cx="1428641" cy="246221"/>
+          </a:xfrm>
+          <a:prstGeom prst="rect">
+            <a:avLst/>
+          </a:prstGeom>
+          <a:noFill/>
+          <a:ln w="3175">
+            <a:noFill/>
+          </a:ln>
+        </p:spPr>
+        <p:txBody>
+          <a:bodyPr wrap="square" rtlCol="0">
+            <a:spAutoFit/>
+          </a:bodyPr>
+          <a:lstStyle/>
+          <a:p>
+            <a:r>
+              <a:rPr lang="en-SG" sz="1000" b="1" dirty="0" err="1"/>
+              <a:t>Gateway_Info_client</a:t>
+            </a:r>
+            <a:endParaRPr lang="en-SG" sz="1000" b="1" dirty="0"/>
+          </a:p>
+        </p:txBody>
+      </p:sp>
+      <p:sp>
+        <p:nvSpPr>
+          <p:cNvPr id="64" name="TextBox 63">
+            <a:extLst>
+              <a:ext uri="{FF2B5EF4-FFF2-40B4-BE49-F238E27FC236}">
+                <a16:creationId xmlns:a16="http://schemas.microsoft.com/office/drawing/2014/main" id="{190B4741-38D6-469E-8DE2-5E9219D7F546}"/>
+              </a:ext>
+            </a:extLst>
+          </p:cNvPr>
+          <p:cNvSpPr txBox="1"/>
+          <p:nvPr/>
+        </p:nvSpPr>
+        <p:spPr>
+          <a:xfrm>
+            <a:off x="1554886" y="3369293"/>
+            <a:ext cx="1428641" cy="246221"/>
+          </a:xfrm>
+          <a:prstGeom prst="rect">
+            <a:avLst/>
+          </a:prstGeom>
+          <a:noFill/>
+          <a:ln w="3175">
+            <a:noFill/>
+          </a:ln>
+        </p:spPr>
+        <p:txBody>
+          <a:bodyPr wrap="square" rtlCol="0">
+            <a:spAutoFit/>
+          </a:bodyPr>
+          <a:lstStyle/>
+          <a:p>
+            <a:r>
+              <a:rPr lang="en-SG" sz="1000" b="1" dirty="0" err="1"/>
+              <a:t>Gateway_Info_client</a:t>
+            </a:r>
+            <a:endParaRPr lang="en-SG" sz="1000" b="1" dirty="0"/>
+          </a:p>
+        </p:txBody>
+      </p:sp>
+      <p:sp>
+        <p:nvSpPr>
+          <p:cNvPr id="65" name="TextBox 64">
+            <a:extLst>
+              <a:ext uri="{FF2B5EF4-FFF2-40B4-BE49-F238E27FC236}">
+                <a16:creationId xmlns:a16="http://schemas.microsoft.com/office/drawing/2014/main" id="{9D0E950C-A9B0-4C97-B033-420DA4900FFA}"/>
+              </a:ext>
+            </a:extLst>
+          </p:cNvPr>
+          <p:cNvSpPr txBox="1"/>
+          <p:nvPr/>
+        </p:nvSpPr>
+        <p:spPr>
+          <a:xfrm>
+            <a:off x="1593860" y="4858065"/>
+            <a:ext cx="1428641" cy="246221"/>
+          </a:xfrm>
+          <a:prstGeom prst="rect">
+            <a:avLst/>
+          </a:prstGeom>
+          <a:noFill/>
+          <a:ln w="3175">
+            <a:noFill/>
+          </a:ln>
+        </p:spPr>
+        <p:txBody>
+          <a:bodyPr wrap="square" rtlCol="0">
+            <a:spAutoFit/>
+          </a:bodyPr>
+          <a:lstStyle/>
+          <a:p>
+            <a:r>
+              <a:rPr lang="en-SG" sz="1000" b="1" dirty="0" err="1"/>
+              <a:t>Gateway_Info_client</a:t>
+            </a:r>
+            <a:endParaRPr lang="en-SG" sz="1000" b="1" dirty="0"/>
+          </a:p>
+        </p:txBody>
+      </p:sp>
+      <p:sp>
+        <p:nvSpPr>
+          <p:cNvPr id="67" name="TextBox 66">
+            <a:extLst>
+              <a:ext uri="{FF2B5EF4-FFF2-40B4-BE49-F238E27FC236}">
+                <a16:creationId xmlns:a16="http://schemas.microsoft.com/office/drawing/2014/main" id="{37AFAFAF-7CAA-4E9D-9840-4973360734FF}"/>
+              </a:ext>
+            </a:extLst>
+          </p:cNvPr>
+          <p:cNvSpPr txBox="1"/>
+          <p:nvPr/>
+        </p:nvSpPr>
+        <p:spPr>
+          <a:xfrm>
+            <a:off x="6020841" y="3289372"/>
+            <a:ext cx="1257067" cy="400110"/>
+          </a:xfrm>
+          <a:prstGeom prst="rect">
+            <a:avLst/>
+          </a:prstGeom>
+          <a:noFill/>
+          <a:ln w="3175">
+            <a:noFill/>
+          </a:ln>
+        </p:spPr>
+        <p:txBody>
+          <a:bodyPr wrap="square" rtlCol="0">
+            <a:spAutoFit/>
+          </a:bodyPr>
+          <a:lstStyle/>
+          <a:p>
+            <a:r>
+              <a:rPr lang="en-SG" sz="1000" b="1" dirty="0"/>
+              <a:t>Protected computers </a:t>
+            </a:r>
+          </a:p>
+        </p:txBody>
+      </p:sp>
+      <p:sp>
+        <p:nvSpPr>
+          <p:cNvPr id="68" name="Rectangle 67">
+            <a:extLst>
+              <a:ext uri="{FF2B5EF4-FFF2-40B4-BE49-F238E27FC236}">
+                <a16:creationId xmlns:a16="http://schemas.microsoft.com/office/drawing/2014/main" id="{1BB62866-127F-4216-8B17-5EEB557AB123}"/>
+              </a:ext>
+            </a:extLst>
+          </p:cNvPr>
+          <p:cNvSpPr/>
+          <p:nvPr/>
+        </p:nvSpPr>
+        <p:spPr>
+          <a:xfrm>
+            <a:off x="1078699" y="566628"/>
+            <a:ext cx="10579901" cy="4537657"/>
+          </a:xfrm>
+          <a:prstGeom prst="rect">
+            <a:avLst/>
+          </a:prstGeom>
+          <a:noFill/>
+          <a:ln w="9525" cap="flat" cmpd="sng" algn="ctr">
+            <a:solidFill>
+              <a:schemeClr val="dk1"/>
+            </a:solidFill>
+            <a:prstDash val="dash"/>
+            <a:round/>
+            <a:headEnd type="none" w="med" len="med"/>
+            <a:tailEnd type="none" w="med" len="med"/>
+          </a:ln>
+        </p:spPr>
+        <p:style>
+          <a:lnRef idx="0">
+            <a:scrgbClr r="0" g="0" b="0"/>
+          </a:lnRef>
+          <a:fillRef idx="0">
+            <a:scrgbClr r="0" g="0" b="0"/>
+          </a:fillRef>
+          <a:effectRef idx="0">
+            <a:scrgbClr r="0" g="0" b="0"/>
+          </a:effectRef>
+          <a:fontRef idx="minor">
+            <a:schemeClr val="dk1"/>
+          </a:fontRef>
+        </p:style>
+        <p:txBody>
+          <a:bodyPr rtlCol="0" anchor="ctr"/>
+          <a:lstStyle/>
+          <a:p>
+            <a:pPr algn="ctr"/>
+            <a:endParaRPr lang="en-SG"/>
+          </a:p>
+        </p:txBody>
+      </p:sp>
+    </p:spTree>
+    <p:extLst>
+      <p:ext uri="{BB962C8B-B14F-4D97-AF65-F5344CB8AC3E}">
+        <p14:creationId xmlns:p14="http://schemas.microsoft.com/office/powerpoint/2010/main" val="3137925845"/>
       </p:ext>
     </p:extLst>
   </p:cSld>
